--- a/Machine learning Zip code finder.pptx
+++ b/Machine learning Zip code finder.pptx
@@ -7,10 +7,11 @@
   <p:sldIdLst>
     <p:sldId id="256" r:id="rId2"/>
     <p:sldId id="257" r:id="rId3"/>
-    <p:sldId id="258" r:id="rId4"/>
-    <p:sldId id="260" r:id="rId5"/>
-    <p:sldId id="261" r:id="rId6"/>
-    <p:sldId id="259" r:id="rId7"/>
+    <p:sldId id="262" r:id="rId4"/>
+    <p:sldId id="258" r:id="rId5"/>
+    <p:sldId id="260" r:id="rId6"/>
+    <p:sldId id="261" r:id="rId7"/>
+    <p:sldId id="259" r:id="rId8"/>
   </p:sldIdLst>
   <p:sldSz cx="12192000" cy="6858000"/>
   <p:notesSz cx="6858000" cy="9144000"/>
@@ -109,6 +110,11 @@
       </a:defRPr>
     </a:lvl9pPr>
   </p:defaultTextStyle>
+  <p:extLst>
+    <p:ext uri="{EFAFB233-063F-42B5-8137-9DF3F51BA10A}">
+      <p15:sldGuideLst xmlns:p15="http://schemas.microsoft.com/office/powerpoint/2012/main"/>
+    </p:ext>
+  </p:extLst>
 </p:presentation>
 </file>
 
@@ -207,7 +213,7 @@
           <a:effectLst/>
           <a:extLst>
             <a:ext uri="{91240B29-F687-4f45-9708-019B960494DF}">
-              <a14:hiddenLine xmlns:a14="http://schemas.microsoft.com/office/drawing/2010/main" xmlns="" w="9525">
+              <a14:hiddenLine xmlns="" xmlns:a14="http://schemas.microsoft.com/office/drawing/2010/main" w="9525">
                 <a:solidFill>
                   <a:srgbClr val="000000"/>
                 </a:solidFill>
@@ -258,7 +264,7 @@
           </a:lstStyle>
           <a:p>
             <a:r>
-              <a:rPr lang="en-US" smtClean="0"/>
+              <a:rPr lang="en-US"/>
               <a:t>Click to edit Master title style</a:t>
             </a:r>
             <a:endParaRPr lang="en-US" dirty="0"/>
@@ -375,7 +381,7 @@
           </a:lstStyle>
           <a:p>
             <a:r>
-              <a:rPr lang="en-US" smtClean="0"/>
+              <a:rPr lang="en-US"/>
               <a:t>Click to edit Master subtitle style</a:t>
             </a:r>
             <a:endParaRPr lang="en-US" dirty="0"/>
@@ -399,7 +405,7 @@
           <a:p>
             <a:fld id="{CE7DBFE1-7293-45C0-B300-47B2021CF785}" type="datetimeFigureOut">
               <a:rPr lang="en-US" smtClean="0"/>
-              <a:t>5/20/2019</a:t>
+              <a:t>5/21/2019</a:t>
             </a:fld>
             <a:endParaRPr lang="en-US"/>
           </a:p>
@@ -504,7 +510,7 @@
           </a:lstStyle>
           <a:p>
             <a:r>
-              <a:rPr lang="en-US" smtClean="0"/>
+              <a:rPr lang="en-US"/>
               <a:t>Click to edit Master title style</a:t>
             </a:r>
             <a:endParaRPr lang="en-US" dirty="0"/>
@@ -626,7 +632,7 @@
           </a:lstStyle>
           <a:p>
             <a:r>
-              <a:rPr lang="en-US" smtClean="0"/>
+              <a:rPr lang="en-US"/>
               <a:t>Click icon to add picture</a:t>
             </a:r>
             <a:endParaRPr lang="en-US" dirty="0"/>
@@ -694,7 +700,7 @@
           <a:p>
             <a:pPr lvl="0"/>
             <a:r>
-              <a:rPr lang="en-US" smtClean="0"/>
+              <a:rPr lang="en-US"/>
               <a:t>Click to edit Master text styles</a:t>
             </a:r>
           </a:p>
@@ -717,7 +723,7 @@
           <a:p>
             <a:fld id="{CE7DBFE1-7293-45C0-B300-47B2021CF785}" type="datetimeFigureOut">
               <a:rPr lang="en-US" smtClean="0"/>
-              <a:t>5/20/2019</a:t>
+              <a:t>5/21/2019</a:t>
             </a:fld>
             <a:endParaRPr lang="en-US"/>
           </a:p>
@@ -1028,7 +1034,7 @@
           </a:lstStyle>
           <a:p>
             <a:r>
-              <a:rPr lang="en-US" smtClean="0"/>
+              <a:rPr lang="en-US"/>
               <a:t>Click to edit Master title style</a:t>
             </a:r>
             <a:endParaRPr lang="en-US" dirty="0"/>
@@ -1148,7 +1154,7 @@
           <a:p>
             <a:pPr lvl="0"/>
             <a:r>
-              <a:rPr lang="en-US" smtClean="0"/>
+              <a:rPr lang="en-US"/>
               <a:t>Click to edit Master text styles</a:t>
             </a:r>
           </a:p>
@@ -1182,7 +1188,7 @@
           <a:p>
             <a:pPr lvl="0"/>
             <a:r>
-              <a:rPr lang="en-US" smtClean="0"/>
+              <a:rPr lang="en-US"/>
               <a:t>Click to edit Master text styles</a:t>
             </a:r>
           </a:p>
@@ -1205,7 +1211,7 @@
           <a:p>
             <a:fld id="{CE7DBFE1-7293-45C0-B300-47B2021CF785}" type="datetimeFigureOut">
               <a:rPr lang="en-US" smtClean="0"/>
-              <a:t>5/20/2019</a:t>
+              <a:t>5/21/2019</a:t>
             </a:fld>
             <a:endParaRPr lang="en-US"/>
           </a:p>
@@ -1516,7 +1522,7 @@
           </a:lstStyle>
           <a:p>
             <a:r>
-              <a:rPr lang="en-US" smtClean="0"/>
+              <a:rPr lang="en-US"/>
               <a:t>Click to edit Master title style</a:t>
             </a:r>
             <a:endParaRPr lang="en-US" dirty="0"/>
@@ -1551,7 +1557,7 @@
           <a:p>
             <a:pPr lvl="0"/>
             <a:r>
-              <a:rPr lang="en-US" smtClean="0"/>
+              <a:rPr lang="en-US"/>
               <a:t>Click to edit Master text styles</a:t>
             </a:r>
           </a:p>
@@ -1574,7 +1580,7 @@
           <a:p>
             <a:fld id="{CE7DBFE1-7293-45C0-B300-47B2021CF785}" type="datetimeFigureOut">
               <a:rPr lang="en-US" smtClean="0"/>
-              <a:t>5/20/2019</a:t>
+              <a:t>5/21/2019</a:t>
             </a:fld>
             <a:endParaRPr lang="en-US"/>
           </a:p>
@@ -1729,7 +1735,7 @@
           <a:ln/>
           <a:extLst>
             <a:ext uri="{91240B29-F687-4f45-9708-019B960494DF}">
-              <a14:hiddenLine xmlns:a14="http://schemas.microsoft.com/office/drawing/2010/main" xmlns="" w="9525">
+              <a14:hiddenLine xmlns="" xmlns:a14="http://schemas.microsoft.com/office/drawing/2010/main" w="9525">
                 <a:solidFill>
                   <a:srgbClr val="000000"/>
                 </a:solidFill>
@@ -1771,7 +1777,7 @@
           <a:lstStyle/>
           <a:p>
             <a:r>
-              <a:rPr lang="en-US" smtClean="0"/>
+              <a:rPr lang="en-US"/>
               <a:t>Click to edit Master title style</a:t>
             </a:r>
             <a:endParaRPr lang="en-US" dirty="0"/>
@@ -1795,35 +1801,35 @@
           <a:p>
             <a:pPr lvl="0"/>
             <a:r>
-              <a:rPr lang="en-US" smtClean="0"/>
+              <a:rPr lang="en-US"/>
               <a:t>Click to edit Master text styles</a:t>
             </a:r>
           </a:p>
           <a:p>
             <a:pPr lvl="1"/>
             <a:r>
-              <a:rPr lang="en-US" smtClean="0"/>
+              <a:rPr lang="en-US"/>
               <a:t>Second level</a:t>
             </a:r>
           </a:p>
           <a:p>
             <a:pPr lvl="2"/>
             <a:r>
-              <a:rPr lang="en-US" smtClean="0"/>
+              <a:rPr lang="en-US"/>
               <a:t>Third level</a:t>
             </a:r>
           </a:p>
           <a:p>
             <a:pPr lvl="3"/>
             <a:r>
-              <a:rPr lang="en-US" smtClean="0"/>
+              <a:rPr lang="en-US"/>
               <a:t>Fourth level</a:t>
             </a:r>
           </a:p>
           <a:p>
             <a:pPr lvl="4"/>
             <a:r>
-              <a:rPr lang="en-US" smtClean="0"/>
+              <a:rPr lang="en-US"/>
               <a:t>Fifth level</a:t>
             </a:r>
             <a:endParaRPr lang="en-US" dirty="0"/>
@@ -1847,7 +1853,7 @@
           <a:p>
             <a:fld id="{CE7DBFE1-7293-45C0-B300-47B2021CF785}" type="datetimeFigureOut">
               <a:rPr lang="en-US" smtClean="0"/>
-              <a:t>5/20/2019</a:t>
+              <a:t>5/21/2019</a:t>
             </a:fld>
             <a:endParaRPr lang="en-US"/>
           </a:p>
@@ -2004,7 +2010,7 @@
           <a:ln/>
           <a:extLst>
             <a:ext uri="{91240B29-F687-4f45-9708-019B960494DF}">
-              <a14:hiddenLine xmlns:a14="http://schemas.microsoft.com/office/drawing/2010/main" xmlns="" w="9525">
+              <a14:hiddenLine xmlns="" xmlns:a14="http://schemas.microsoft.com/office/drawing/2010/main" w="9525">
                 <a:solidFill>
                   <a:srgbClr val="000000"/>
                 </a:solidFill>
@@ -2051,7 +2057,7 @@
           <a:lstStyle/>
           <a:p>
             <a:r>
-              <a:rPr lang="en-US" smtClean="0"/>
+              <a:rPr lang="en-US"/>
               <a:t>Click to edit Master title style</a:t>
             </a:r>
             <a:endParaRPr lang="en-US" dirty="0"/>
@@ -2080,35 +2086,35 @@
           <a:p>
             <a:pPr lvl="0"/>
             <a:r>
-              <a:rPr lang="en-US" smtClean="0"/>
+              <a:rPr lang="en-US"/>
               <a:t>Click to edit Master text styles</a:t>
             </a:r>
           </a:p>
           <a:p>
             <a:pPr lvl="1"/>
             <a:r>
-              <a:rPr lang="en-US" smtClean="0"/>
+              <a:rPr lang="en-US"/>
               <a:t>Second level</a:t>
             </a:r>
           </a:p>
           <a:p>
             <a:pPr lvl="2"/>
             <a:r>
-              <a:rPr lang="en-US" smtClean="0"/>
+              <a:rPr lang="en-US"/>
               <a:t>Third level</a:t>
             </a:r>
           </a:p>
           <a:p>
             <a:pPr lvl="3"/>
             <a:r>
-              <a:rPr lang="en-US" smtClean="0"/>
+              <a:rPr lang="en-US"/>
               <a:t>Fourth level</a:t>
             </a:r>
           </a:p>
           <a:p>
             <a:pPr lvl="4"/>
             <a:r>
-              <a:rPr lang="en-US" smtClean="0"/>
+              <a:rPr lang="en-US"/>
               <a:t>Fifth level</a:t>
             </a:r>
             <a:endParaRPr lang="en-US" dirty="0"/>
@@ -2132,7 +2138,7 @@
           <a:p>
             <a:fld id="{CE7DBFE1-7293-45C0-B300-47B2021CF785}" type="datetimeFigureOut">
               <a:rPr lang="en-US" smtClean="0"/>
-              <a:t>5/20/2019</a:t>
+              <a:t>5/21/2019</a:t>
             </a:fld>
             <a:endParaRPr lang="en-US"/>
           </a:p>
@@ -2287,7 +2293,7 @@
           <a:ln/>
           <a:extLst>
             <a:ext uri="{91240B29-F687-4f45-9708-019B960494DF}">
-              <a14:hiddenLine xmlns:a14="http://schemas.microsoft.com/office/drawing/2010/main" xmlns="" w="9525">
+              <a14:hiddenLine xmlns="" xmlns:a14="http://schemas.microsoft.com/office/drawing/2010/main" w="9525">
                 <a:solidFill>
                   <a:srgbClr val="000000"/>
                 </a:solidFill>
@@ -2334,7 +2340,7 @@
           <a:lstStyle/>
           <a:p>
             <a:r>
-              <a:rPr lang="en-US" smtClean="0"/>
+              <a:rPr lang="en-US"/>
               <a:t>Click to edit Master title style</a:t>
             </a:r>
             <a:endParaRPr lang="en-US" dirty="0"/>
@@ -2363,35 +2369,35 @@
           <a:p>
             <a:pPr lvl="0"/>
             <a:r>
-              <a:rPr lang="en-US" smtClean="0"/>
+              <a:rPr lang="en-US"/>
               <a:t>Click to edit Master text styles</a:t>
             </a:r>
           </a:p>
           <a:p>
             <a:pPr lvl="1"/>
             <a:r>
-              <a:rPr lang="en-US" smtClean="0"/>
+              <a:rPr lang="en-US"/>
               <a:t>Second level</a:t>
             </a:r>
           </a:p>
           <a:p>
             <a:pPr lvl="2"/>
             <a:r>
-              <a:rPr lang="en-US" smtClean="0"/>
+              <a:rPr lang="en-US"/>
               <a:t>Third level</a:t>
             </a:r>
           </a:p>
           <a:p>
             <a:pPr lvl="3"/>
             <a:r>
-              <a:rPr lang="en-US" smtClean="0"/>
+              <a:rPr lang="en-US"/>
               <a:t>Fourth level</a:t>
             </a:r>
           </a:p>
           <a:p>
             <a:pPr lvl="4"/>
             <a:r>
-              <a:rPr lang="en-US" smtClean="0"/>
+              <a:rPr lang="en-US"/>
               <a:t>Fifth level</a:t>
             </a:r>
             <a:endParaRPr lang="en-US" dirty="0"/>
@@ -2415,7 +2421,7 @@
           <a:p>
             <a:fld id="{CE7DBFE1-7293-45C0-B300-47B2021CF785}" type="datetimeFigureOut">
               <a:rPr lang="en-US" smtClean="0"/>
-              <a:t>5/20/2019</a:t>
+              <a:t>5/21/2019</a:t>
             </a:fld>
             <a:endParaRPr lang="en-US"/>
           </a:p>
@@ -2615,7 +2621,7 @@
           </a:lstStyle>
           <a:p>
             <a:r>
-              <a:rPr lang="en-US" smtClean="0"/>
+              <a:rPr lang="en-US"/>
               <a:t>Click to edit Master title style</a:t>
             </a:r>
             <a:endParaRPr lang="en-US" dirty="0"/>
@@ -2735,7 +2741,7 @@
           <a:p>
             <a:pPr lvl="0"/>
             <a:r>
-              <a:rPr lang="en-US" smtClean="0"/>
+              <a:rPr lang="en-US"/>
               <a:t>Click to edit Master text styles</a:t>
             </a:r>
           </a:p>
@@ -2758,7 +2764,7 @@
           <a:p>
             <a:fld id="{CE7DBFE1-7293-45C0-B300-47B2021CF785}" type="datetimeFigureOut">
               <a:rPr lang="en-US" smtClean="0"/>
-              <a:t>5/20/2019</a:t>
+              <a:t>5/21/2019</a:t>
             </a:fld>
             <a:endParaRPr lang="en-US"/>
           </a:p>
@@ -2913,7 +2919,7 @@
           <a:ln/>
           <a:extLst>
             <a:ext uri="{91240B29-F687-4f45-9708-019B960494DF}">
-              <a14:hiddenLine xmlns:a14="http://schemas.microsoft.com/office/drawing/2010/main" xmlns="" w="9525">
+              <a14:hiddenLine xmlns="" xmlns:a14="http://schemas.microsoft.com/office/drawing/2010/main" w="9525">
                 <a:solidFill>
                   <a:srgbClr val="000000"/>
                 </a:solidFill>
@@ -2955,7 +2961,7 @@
           <a:lstStyle/>
           <a:p>
             <a:r>
-              <a:rPr lang="en-US" smtClean="0"/>
+              <a:rPr lang="en-US"/>
               <a:t>Click to edit Master title style</a:t>
             </a:r>
             <a:endParaRPr lang="en-US" dirty="0"/>
@@ -2986,35 +2992,35 @@
           <a:p>
             <a:pPr lvl="0"/>
             <a:r>
-              <a:rPr lang="en-US" smtClean="0"/>
+              <a:rPr lang="en-US"/>
               <a:t>Click to edit Master text styles</a:t>
             </a:r>
           </a:p>
           <a:p>
             <a:pPr lvl="1"/>
             <a:r>
-              <a:rPr lang="en-US" smtClean="0"/>
+              <a:rPr lang="en-US"/>
               <a:t>Second level</a:t>
             </a:r>
           </a:p>
           <a:p>
             <a:pPr lvl="2"/>
             <a:r>
-              <a:rPr lang="en-US" smtClean="0"/>
+              <a:rPr lang="en-US"/>
               <a:t>Third level</a:t>
             </a:r>
           </a:p>
           <a:p>
             <a:pPr lvl="3"/>
             <a:r>
-              <a:rPr lang="en-US" smtClean="0"/>
+              <a:rPr lang="en-US"/>
               <a:t>Fourth level</a:t>
             </a:r>
           </a:p>
           <a:p>
             <a:pPr lvl="4"/>
             <a:r>
-              <a:rPr lang="en-US" smtClean="0"/>
+              <a:rPr lang="en-US"/>
               <a:t>Fifth level</a:t>
             </a:r>
             <a:endParaRPr lang="en-US" dirty="0"/>
@@ -3045,35 +3051,35 @@
           <a:p>
             <a:pPr lvl="0"/>
             <a:r>
-              <a:rPr lang="en-US" smtClean="0"/>
+              <a:rPr lang="en-US"/>
               <a:t>Click to edit Master text styles</a:t>
             </a:r>
           </a:p>
           <a:p>
             <a:pPr lvl="1"/>
             <a:r>
-              <a:rPr lang="en-US" smtClean="0"/>
+              <a:rPr lang="en-US"/>
               <a:t>Second level</a:t>
             </a:r>
           </a:p>
           <a:p>
             <a:pPr lvl="2"/>
             <a:r>
-              <a:rPr lang="en-US" smtClean="0"/>
+              <a:rPr lang="en-US"/>
               <a:t>Third level</a:t>
             </a:r>
           </a:p>
           <a:p>
             <a:pPr lvl="3"/>
             <a:r>
-              <a:rPr lang="en-US" smtClean="0"/>
+              <a:rPr lang="en-US"/>
               <a:t>Fourth level</a:t>
             </a:r>
           </a:p>
           <a:p>
             <a:pPr lvl="4"/>
             <a:r>
-              <a:rPr lang="en-US" smtClean="0"/>
+              <a:rPr lang="en-US"/>
               <a:t>Fifth level</a:t>
             </a:r>
             <a:endParaRPr lang="en-US" dirty="0"/>
@@ -3097,7 +3103,7 @@
           <a:p>
             <a:fld id="{CE7DBFE1-7293-45C0-B300-47B2021CF785}" type="datetimeFigureOut">
               <a:rPr lang="en-US" smtClean="0"/>
-              <a:t>5/20/2019</a:t>
+              <a:t>5/21/2019</a:t>
             </a:fld>
             <a:endParaRPr lang="en-US"/>
           </a:p>
@@ -3252,7 +3258,7 @@
           <a:ln/>
           <a:extLst>
             <a:ext uri="{91240B29-F687-4f45-9708-019B960494DF}">
-              <a14:hiddenLine xmlns:a14="http://schemas.microsoft.com/office/drawing/2010/main" xmlns="" w="9525">
+              <a14:hiddenLine xmlns="" xmlns:a14="http://schemas.microsoft.com/office/drawing/2010/main" w="9525">
                 <a:solidFill>
                   <a:srgbClr val="000000"/>
                 </a:solidFill>
@@ -3298,7 +3304,7 @@
           </a:lstStyle>
           <a:p>
             <a:r>
-              <a:rPr lang="en-US" smtClean="0"/>
+              <a:rPr lang="en-US"/>
               <a:t>Click to edit Master title style</a:t>
             </a:r>
             <a:endParaRPr lang="en-US" dirty="0"/>
@@ -3366,7 +3372,7 @@
           <a:p>
             <a:pPr lvl="0"/>
             <a:r>
-              <a:rPr lang="en-US" smtClean="0"/>
+              <a:rPr lang="en-US"/>
               <a:t>Click to edit Master text styles</a:t>
             </a:r>
           </a:p>
@@ -3396,35 +3402,35 @@
           <a:p>
             <a:pPr lvl="0"/>
             <a:r>
-              <a:rPr lang="en-US" smtClean="0"/>
+              <a:rPr lang="en-US"/>
               <a:t>Click to edit Master text styles</a:t>
             </a:r>
           </a:p>
           <a:p>
             <a:pPr lvl="1"/>
             <a:r>
-              <a:rPr lang="en-US" smtClean="0"/>
+              <a:rPr lang="en-US"/>
               <a:t>Second level</a:t>
             </a:r>
           </a:p>
           <a:p>
             <a:pPr lvl="2"/>
             <a:r>
-              <a:rPr lang="en-US" smtClean="0"/>
+              <a:rPr lang="en-US"/>
               <a:t>Third level</a:t>
             </a:r>
           </a:p>
           <a:p>
             <a:pPr lvl="3"/>
             <a:r>
-              <a:rPr lang="en-US" smtClean="0"/>
+              <a:rPr lang="en-US"/>
               <a:t>Fourth level</a:t>
             </a:r>
           </a:p>
           <a:p>
             <a:pPr lvl="4"/>
             <a:r>
-              <a:rPr lang="en-US" smtClean="0"/>
+              <a:rPr lang="en-US"/>
               <a:t>Fifth level</a:t>
             </a:r>
             <a:endParaRPr lang="en-US" dirty="0"/>
@@ -3492,7 +3498,7 @@
           <a:p>
             <a:pPr lvl="0"/>
             <a:r>
-              <a:rPr lang="en-US" smtClean="0"/>
+              <a:rPr lang="en-US"/>
               <a:t>Click to edit Master text styles</a:t>
             </a:r>
           </a:p>
@@ -3522,35 +3528,35 @@
           <a:p>
             <a:pPr lvl="0"/>
             <a:r>
-              <a:rPr lang="en-US" smtClean="0"/>
+              <a:rPr lang="en-US"/>
               <a:t>Click to edit Master text styles</a:t>
             </a:r>
           </a:p>
           <a:p>
             <a:pPr lvl="1"/>
             <a:r>
-              <a:rPr lang="en-US" smtClean="0"/>
+              <a:rPr lang="en-US"/>
               <a:t>Second level</a:t>
             </a:r>
           </a:p>
           <a:p>
             <a:pPr lvl="2"/>
             <a:r>
-              <a:rPr lang="en-US" smtClean="0"/>
+              <a:rPr lang="en-US"/>
               <a:t>Third level</a:t>
             </a:r>
           </a:p>
           <a:p>
             <a:pPr lvl="3"/>
             <a:r>
-              <a:rPr lang="en-US" smtClean="0"/>
+              <a:rPr lang="en-US"/>
               <a:t>Fourth level</a:t>
             </a:r>
           </a:p>
           <a:p>
             <a:pPr lvl="4"/>
             <a:r>
-              <a:rPr lang="en-US" smtClean="0"/>
+              <a:rPr lang="en-US"/>
               <a:t>Fifth level</a:t>
             </a:r>
             <a:endParaRPr lang="en-US" dirty="0"/>
@@ -3574,7 +3580,7 @@
           <a:p>
             <a:fld id="{CE7DBFE1-7293-45C0-B300-47B2021CF785}" type="datetimeFigureOut">
               <a:rPr lang="en-US" smtClean="0"/>
-              <a:t>5/20/2019</a:t>
+              <a:t>5/21/2019</a:t>
             </a:fld>
             <a:endParaRPr lang="en-US"/>
           </a:p>
@@ -3729,7 +3735,7 @@
           <a:ln/>
           <a:extLst>
             <a:ext uri="{91240B29-F687-4f45-9708-019B960494DF}">
-              <a14:hiddenLine xmlns:a14="http://schemas.microsoft.com/office/drawing/2010/main" xmlns="" w="9525">
+              <a14:hiddenLine xmlns="" xmlns:a14="http://schemas.microsoft.com/office/drawing/2010/main" w="9525">
                 <a:solidFill>
                   <a:srgbClr val="000000"/>
                 </a:solidFill>
@@ -3771,7 +3777,7 @@
           <a:lstStyle/>
           <a:p>
             <a:r>
-              <a:rPr lang="en-US" smtClean="0"/>
+              <a:rPr lang="en-US"/>
               <a:t>Click to edit Master title style</a:t>
             </a:r>
             <a:endParaRPr lang="en-US" dirty="0"/>
@@ -3795,7 +3801,7 @@
           <a:p>
             <a:fld id="{CE7DBFE1-7293-45C0-B300-47B2021CF785}" type="datetimeFigureOut">
               <a:rPr lang="en-US" smtClean="0"/>
-              <a:t>5/20/2019</a:t>
+              <a:t>5/21/2019</a:t>
             </a:fld>
             <a:endParaRPr lang="en-US"/>
           </a:p>
@@ -3890,7 +3896,7 @@
           <a:p>
             <a:fld id="{CE7DBFE1-7293-45C0-B300-47B2021CF785}" type="datetimeFigureOut">
               <a:rPr lang="en-US" smtClean="0"/>
-              <a:t>5/20/2019</a:t>
+              <a:t>5/21/2019</a:t>
             </a:fld>
             <a:endParaRPr lang="en-US"/>
           </a:p>
@@ -4158,7 +4164,7 @@
           <a:ln/>
           <a:extLst>
             <a:ext uri="{91240B29-F687-4f45-9708-019B960494DF}">
-              <a14:hiddenLine xmlns:a14="http://schemas.microsoft.com/office/drawing/2010/main" xmlns="" w="9525">
+              <a14:hiddenLine xmlns="" xmlns:a14="http://schemas.microsoft.com/office/drawing/2010/main" w="9525">
                 <a:solidFill>
                   <a:srgbClr val="000000"/>
                 </a:solidFill>
@@ -4209,7 +4215,7 @@
           </a:lstStyle>
           <a:p>
             <a:r>
-              <a:rPr lang="en-US" smtClean="0"/>
+              <a:rPr lang="en-US"/>
               <a:t>Click to edit Master title style</a:t>
             </a:r>
             <a:endParaRPr lang="en-US" dirty="0"/>
@@ -4240,35 +4246,35 @@
           <a:p>
             <a:pPr lvl="0"/>
             <a:r>
-              <a:rPr lang="en-US" smtClean="0"/>
+              <a:rPr lang="en-US"/>
               <a:t>Click to edit Master text styles</a:t>
             </a:r>
           </a:p>
           <a:p>
             <a:pPr lvl="1"/>
             <a:r>
-              <a:rPr lang="en-US" smtClean="0"/>
+              <a:rPr lang="en-US"/>
               <a:t>Second level</a:t>
             </a:r>
           </a:p>
           <a:p>
             <a:pPr lvl="2"/>
             <a:r>
-              <a:rPr lang="en-US" smtClean="0"/>
+              <a:rPr lang="en-US"/>
               <a:t>Third level</a:t>
             </a:r>
           </a:p>
           <a:p>
             <a:pPr lvl="3"/>
             <a:r>
-              <a:rPr lang="en-US" smtClean="0"/>
+              <a:rPr lang="en-US"/>
               <a:t>Fourth level</a:t>
             </a:r>
           </a:p>
           <a:p>
             <a:pPr lvl="4"/>
             <a:r>
-              <a:rPr lang="en-US" smtClean="0"/>
+              <a:rPr lang="en-US"/>
               <a:t>Fifth level</a:t>
             </a:r>
             <a:endParaRPr lang="en-US" dirty="0"/>
@@ -4334,7 +4340,7 @@
           <a:p>
             <a:pPr lvl="0"/>
             <a:r>
-              <a:rPr lang="en-US" smtClean="0"/>
+              <a:rPr lang="en-US"/>
               <a:t>Click to edit Master text styles</a:t>
             </a:r>
           </a:p>
@@ -4357,7 +4363,7 @@
           <a:p>
             <a:fld id="{CE7DBFE1-7293-45C0-B300-47B2021CF785}" type="datetimeFigureOut">
               <a:rPr lang="en-US" smtClean="0"/>
-              <a:t>5/20/2019</a:t>
+              <a:t>5/21/2019</a:t>
             </a:fld>
             <a:endParaRPr lang="en-US"/>
           </a:p>
@@ -4462,7 +4468,7 @@
           </a:lstStyle>
           <a:p>
             <a:r>
-              <a:rPr lang="en-US" smtClean="0"/>
+              <a:rPr lang="en-US"/>
               <a:t>Click to edit Master title style</a:t>
             </a:r>
             <a:endParaRPr lang="en-US" dirty="0"/>
@@ -4574,7 +4580,7 @@
           </a:lstStyle>
           <a:p>
             <a:r>
-              <a:rPr lang="en-US" smtClean="0"/>
+              <a:rPr lang="en-US"/>
               <a:t>Click icon to add picture</a:t>
             </a:r>
             <a:endParaRPr lang="en-US" dirty="0"/>
@@ -4642,7 +4648,7 @@
           <a:p>
             <a:pPr lvl="0"/>
             <a:r>
-              <a:rPr lang="en-US" smtClean="0"/>
+              <a:rPr lang="en-US"/>
               <a:t>Click to edit Master text styles</a:t>
             </a:r>
           </a:p>
@@ -4670,7 +4676,7 @@
           <a:p>
             <a:fld id="{CE7DBFE1-7293-45C0-B300-47B2021CF785}" type="datetimeFigureOut">
               <a:rPr lang="en-US" smtClean="0"/>
-              <a:t>5/20/2019</a:t>
+              <a:t>5/21/2019</a:t>
             </a:fld>
             <a:endParaRPr lang="en-US"/>
           </a:p>
@@ -4796,7 +4802,7 @@
           <a:lstStyle/>
           <a:p>
             <a:r>
-              <a:rPr lang="en-US" smtClean="0"/>
+              <a:rPr lang="en-US"/>
               <a:t>Click to edit Master title style</a:t>
             </a:r>
             <a:endParaRPr lang="en-US" dirty="0"/>
@@ -4837,35 +4843,35 @@
           <a:p>
             <a:pPr lvl="0"/>
             <a:r>
-              <a:rPr lang="en-US" smtClean="0"/>
+              <a:rPr lang="en-US"/>
               <a:t>Click to edit Master text styles</a:t>
             </a:r>
           </a:p>
           <a:p>
             <a:pPr lvl="1"/>
             <a:r>
-              <a:rPr lang="en-US" smtClean="0"/>
+              <a:rPr lang="en-US"/>
               <a:t>Second level</a:t>
             </a:r>
           </a:p>
           <a:p>
             <a:pPr lvl="2"/>
             <a:r>
-              <a:rPr lang="en-US" smtClean="0"/>
+              <a:rPr lang="en-US"/>
               <a:t>Third level</a:t>
             </a:r>
           </a:p>
           <a:p>
             <a:pPr lvl="3"/>
             <a:r>
-              <a:rPr lang="en-US" smtClean="0"/>
+              <a:rPr lang="en-US"/>
               <a:t>Fourth level</a:t>
             </a:r>
           </a:p>
           <a:p>
             <a:pPr lvl="4"/>
             <a:r>
-              <a:rPr lang="en-US" smtClean="0"/>
+              <a:rPr lang="en-US"/>
               <a:t>Fifth level</a:t>
             </a:r>
             <a:endParaRPr lang="en-US" dirty="0"/>
@@ -4940,7 +4946,7 @@
           <a:p>
             <a:fld id="{CE7DBFE1-7293-45C0-B300-47B2021CF785}" type="datetimeFigureOut">
               <a:rPr lang="en-US" smtClean="0"/>
-              <a:t>5/20/2019</a:t>
+              <a:t>5/21/2019</a:t>
             </a:fld>
             <a:endParaRPr lang="en-US"/>
           </a:p>
@@ -5405,17 +5411,16 @@
           <a:lstStyle/>
           <a:p>
             <a:r>
-              <a:rPr lang="en-US" dirty="0" smtClean="0"/>
-              <a:t>Machine learning </a:t>
+              <a:rPr lang="en-US" dirty="0"/>
+              <a:t>Machine Learning</a:t>
             </a:r>
             <a:br>
-              <a:rPr lang="en-US" dirty="0" smtClean="0"/>
+              <a:rPr lang="en-US" dirty="0"/>
             </a:br>
             <a:r>
-              <a:rPr lang="en-US" dirty="0" smtClean="0"/>
-              <a:t>Zip code finder</a:t>
-            </a:r>
-            <a:endParaRPr lang="en-US" dirty="0"/>
+              <a:rPr lang="en-US" dirty="0"/>
+              <a:t>Zip Code Finder</a:t>
+            </a:r>
           </a:p>
         </p:txBody>
       </p:sp>
@@ -5436,32 +5441,26 @@
           </a:bodyPr>
           <a:lstStyle/>
           <a:p>
-            <a:r>
-              <a:rPr lang="en-US" sz="2400" dirty="0" smtClean="0"/>
+            <a:pPr algn="ctr"/>
+            <a:r>
+              <a:rPr lang="en-US" sz="2400" dirty="0"/>
               <a:t>Rose </a:t>
             </a:r>
             <a:r>
-              <a:rPr lang="en-US" sz="2400" dirty="0" err="1" smtClean="0"/>
+              <a:rPr lang="en-US" sz="2400" dirty="0" err="1"/>
               <a:t>Chakkoria</a:t>
             </a:r>
-            <a:endParaRPr lang="en-US" sz="2400" dirty="0" smtClean="0"/>
-          </a:p>
-          <a:p>
-            <a:r>
-              <a:rPr lang="en-US" sz="2400" dirty="0" smtClean="0"/>
-              <a:t>Diana </a:t>
-            </a:r>
-            <a:r>
-              <a:rPr lang="en-US" sz="2400" dirty="0" err="1" smtClean="0"/>
-              <a:t>Dinshaw</a:t>
-            </a:r>
-            <a:endParaRPr lang="en-US" sz="2400" dirty="0" smtClean="0"/>
-          </a:p>
-          <a:p>
-            <a:r>
-              <a:rPr lang="en-US" sz="2400" dirty="0" smtClean="0"/>
-              <a:t>Bryan Paynich</a:t>
-            </a:r>
+            <a:r>
+              <a:rPr lang="en-US" sz="2400" dirty="0"/>
+              <a:t> * Diana Dinshaw * Bryan </a:t>
+            </a:r>
+            <a:r>
+              <a:rPr lang="en-US" sz="2400" dirty="0" err="1"/>
+              <a:t>Paynich</a:t>
+            </a:r>
+            <a:endParaRPr lang="en-US" sz="2400" dirty="0"/>
+          </a:p>
+          <a:p>
             <a:endParaRPr lang="en-US" sz="2400" dirty="0"/>
           </a:p>
         </p:txBody>
@@ -5476,13 +5475,6 @@
   <p:clrMapOvr>
     <a:masterClrMapping/>
   </p:clrMapOvr>
-  <p:timing>
-    <p:tnLst>
-      <p:par>
-        <p:cTn id="1" dur="indefinite" restart="never" nodeType="tmRoot"/>
-      </p:par>
-    </p:tnLst>
-  </p:timing>
 </p:sld>
 </file>
 
@@ -5519,10 +5511,9 @@
           <a:lstStyle/>
           <a:p>
             <a:r>
-              <a:rPr lang="en-US" dirty="0" smtClean="0"/>
+              <a:rPr lang="en-US" dirty="0"/>
               <a:t>Project Scope	</a:t>
             </a:r>
-            <a:endParaRPr lang="en-US" dirty="0"/>
           </a:p>
         </p:txBody>
       </p:sp>
@@ -5536,64 +5527,26 @@
             <p:ph idx="1"/>
           </p:nvPr>
         </p:nvSpPr>
-        <p:spPr/>
-        <p:txBody>
-          <a:bodyPr/>
-          <a:lstStyle/>
-          <a:p>
-            <a:r>
-              <a:rPr lang="en-US" dirty="0" smtClean="0"/>
-              <a:t>Build a flask app that allows the user to hand write a zip code on the screen, perform machine learning and then display various information about the zip code</a:t>
-            </a:r>
-          </a:p>
-          <a:p>
-            <a:r>
-              <a:rPr lang="en-US" dirty="0" smtClean="0"/>
-              <a:t>Key Features:</a:t>
+        <p:spPr>
+          <a:xfrm>
+            <a:off x="942974" y="2372212"/>
+            <a:ext cx="10439023" cy="3819038"/>
+          </a:xfrm>
+        </p:spPr>
+        <p:txBody>
+          <a:bodyPr>
+            <a:noAutofit/>
+          </a:bodyPr>
+          <a:lstStyle/>
+          <a:p>
+            <a:r>
+              <a:rPr lang="en-US" sz="3600" dirty="0"/>
+              <a:t> Build a flask app that allows the user to hand write a zip code on the screen, perform machine learning and then display various information about the zip code.</a:t>
             </a:r>
           </a:p>
           <a:p>
             <a:pPr lvl="1"/>
-            <a:r>
-              <a:rPr lang="en-US" dirty="0" smtClean="0"/>
-              <a:t>Machine learning algorithm converts a hand written zip code to a 5 digit zip code and save to a global variable.  </a:t>
-            </a:r>
-          </a:p>
-          <a:p>
-            <a:pPr lvl="1"/>
-            <a:r>
-              <a:rPr lang="en-US" dirty="0" smtClean="0"/>
-              <a:t>Multiple APIs that take the zip code input and returns various information for the input zip code.</a:t>
-            </a:r>
-          </a:p>
-          <a:p>
-            <a:pPr lvl="2"/>
-            <a:r>
-              <a:rPr lang="en-US" dirty="0" smtClean="0"/>
-              <a:t>Housing information</a:t>
-            </a:r>
-          </a:p>
-          <a:p>
-            <a:pPr lvl="2"/>
-            <a:r>
-              <a:rPr lang="en-US" dirty="0" smtClean="0"/>
-              <a:t>Demographic Information</a:t>
-            </a:r>
-          </a:p>
-          <a:p>
-            <a:pPr lvl="2"/>
-            <a:r>
-              <a:rPr lang="en-US" dirty="0" smtClean="0"/>
-              <a:t>Things-to-do in the zip code area</a:t>
-            </a:r>
-          </a:p>
-          <a:p>
-            <a:pPr lvl="2"/>
-            <a:r>
-              <a:rPr lang="en-US" dirty="0" smtClean="0"/>
-              <a:t>Local weather</a:t>
-            </a:r>
-            <a:endParaRPr lang="en-US" dirty="0"/>
+            <a:endParaRPr lang="en-US" sz="2000" dirty="0"/>
           </a:p>
         </p:txBody>
       </p:sp>
@@ -5607,17 +5560,149 @@
   <p:clrMapOvr>
     <a:masterClrMapping/>
   </p:clrMapOvr>
-  <p:timing>
-    <p:tnLst>
-      <p:par>
-        <p:cTn id="1" dur="indefinite" restart="never" nodeType="tmRoot"/>
-      </p:par>
-    </p:tnLst>
-  </p:timing>
 </p:sld>
 </file>
 
 <file path=ppt/slides/slide3.xml><?xml version="1.0" encoding="utf-8"?>
+<p:sld xmlns:a="http://schemas.openxmlformats.org/drawingml/2006/main" xmlns:r="http://schemas.openxmlformats.org/officeDocument/2006/relationships" xmlns:p="http://schemas.openxmlformats.org/presentationml/2006/main">
+  <p:cSld>
+    <p:spTree>
+      <p:nvGrpSpPr>
+        <p:cNvPr id="1" name=""/>
+        <p:cNvGrpSpPr/>
+        <p:nvPr/>
+      </p:nvGrpSpPr>
+      <p:grpSpPr>
+        <a:xfrm>
+          <a:off x="0" y="0"/>
+          <a:ext cx="0" cy="0"/>
+          <a:chOff x="0" y="0"/>
+          <a:chExt cx="0" cy="0"/>
+        </a:xfrm>
+      </p:grpSpPr>
+      <p:sp>
+        <p:nvSpPr>
+          <p:cNvPr id="2" name="Title 1">
+            <a:extLst>
+              <a:ext uri="{FF2B5EF4-FFF2-40B4-BE49-F238E27FC236}">
+                <a16:creationId xmlns:a16="http://schemas.microsoft.com/office/drawing/2014/main" id="{41A5545A-E828-4980-BD71-2B4D3DF6AF6E}"/>
+              </a:ext>
+            </a:extLst>
+          </p:cNvPr>
+          <p:cNvSpPr>
+            <a:spLocks noGrp="1"/>
+          </p:cNvSpPr>
+          <p:nvPr>
+            <p:ph type="title"/>
+          </p:nvPr>
+        </p:nvSpPr>
+        <p:spPr/>
+        <p:txBody>
+          <a:bodyPr/>
+          <a:lstStyle/>
+          <a:p>
+            <a:br>
+              <a:rPr lang="en-US" dirty="0"/>
+            </a:br>
+            <a:br>
+              <a:rPr lang="en-US" dirty="0"/>
+            </a:br>
+            <a:r>
+              <a:rPr lang="en-US" dirty="0"/>
+              <a:t>Key Features</a:t>
+            </a:r>
+          </a:p>
+        </p:txBody>
+      </p:sp>
+      <p:sp>
+        <p:nvSpPr>
+          <p:cNvPr id="3" name="Content Placeholder 2">
+            <a:extLst>
+              <a:ext uri="{FF2B5EF4-FFF2-40B4-BE49-F238E27FC236}">
+                <a16:creationId xmlns:a16="http://schemas.microsoft.com/office/drawing/2014/main" id="{EC819E5E-A643-4799-A298-9BBDDAEDE86D}"/>
+              </a:ext>
+            </a:extLst>
+          </p:cNvPr>
+          <p:cNvSpPr>
+            <a:spLocks noGrp="1"/>
+          </p:cNvSpPr>
+          <p:nvPr>
+            <p:ph idx="1"/>
+          </p:nvPr>
+        </p:nvSpPr>
+        <p:spPr>
+          <a:xfrm>
+            <a:off x="810000" y="2222287"/>
+            <a:ext cx="10563286" cy="3636511"/>
+          </a:xfrm>
+        </p:spPr>
+        <p:txBody>
+          <a:bodyPr>
+            <a:normAutofit fontScale="92500" lnSpcReduction="10000"/>
+          </a:bodyPr>
+          <a:lstStyle/>
+          <a:p>
+            <a:r>
+              <a:rPr lang="en-US" sz="2600" dirty="0"/>
+              <a:t>Machine learning algorithm converts a hand written zip code to a 5 digit zip code and save to a global variable.  </a:t>
+            </a:r>
+          </a:p>
+          <a:p>
+            <a:r>
+              <a:rPr lang="en-US" sz="2600" dirty="0"/>
+              <a:t>Multiple APIs that take the zip code input and returns various information for the input zip code.</a:t>
+            </a:r>
+          </a:p>
+          <a:p>
+            <a:pPr lvl="2"/>
+            <a:r>
+              <a:rPr lang="en-US" sz="2400" dirty="0"/>
+              <a:t>Housing information</a:t>
+            </a:r>
+          </a:p>
+          <a:p>
+            <a:pPr lvl="2"/>
+            <a:r>
+              <a:rPr lang="en-US" sz="2400" dirty="0"/>
+              <a:t>Demographic information</a:t>
+            </a:r>
+          </a:p>
+          <a:p>
+            <a:pPr lvl="2"/>
+            <a:r>
+              <a:rPr lang="en-US" sz="2400" dirty="0"/>
+              <a:t>Things-to-do in the zip code area</a:t>
+            </a:r>
+          </a:p>
+          <a:p>
+            <a:pPr lvl="2"/>
+            <a:r>
+              <a:rPr lang="en-US" sz="2400" dirty="0"/>
+              <a:t>Local weather</a:t>
+            </a:r>
+          </a:p>
+          <a:p>
+            <a:pPr marL="0" indent="0">
+              <a:buNone/>
+            </a:pPr>
+            <a:endParaRPr lang="en-US" dirty="0"/>
+          </a:p>
+        </p:txBody>
+      </p:sp>
+    </p:spTree>
+    <p:extLst>
+      <p:ext uri="{BB962C8B-B14F-4D97-AF65-F5344CB8AC3E}">
+        <p14:creationId xmlns:p14="http://schemas.microsoft.com/office/powerpoint/2010/main" val="3383028857"/>
+      </p:ext>
+    </p:extLst>
+  </p:cSld>
+  <p:clrMapOvr>
+    <a:masterClrMapping/>
+  </p:clrMapOvr>
+</p:sld>
+</file>
+
+<file path=ppt/slides/slide4.xml><?xml version="1.0" encoding="utf-8"?>
 <p:sld xmlns:a="http://schemas.openxmlformats.org/drawingml/2006/main" xmlns:r="http://schemas.openxmlformats.org/officeDocument/2006/relationships" xmlns:p="http://schemas.openxmlformats.org/presentationml/2006/main">
   <p:cSld>
     <p:spTree>
@@ -5671,32 +5756,30 @@
           <a:p>
             <a:pPr algn="ctr"/>
             <a:r>
-              <a:rPr lang="en-US" dirty="0" smtClean="0"/>
+              <a:rPr lang="en-US" dirty="0"/>
               <a:t>APIs</a:t>
             </a:r>
-            <a:endParaRPr lang="en-US" dirty="0"/>
           </a:p>
           <a:p>
             <a:pPr algn="ctr"/>
             <a:r>
-              <a:rPr lang="en-US" dirty="0" smtClean="0"/>
+              <a:rPr lang="en-US" dirty="0"/>
               <a:t>Weather API</a:t>
             </a:r>
           </a:p>
           <a:p>
             <a:pPr algn="ctr"/>
             <a:r>
-              <a:rPr lang="en-US" dirty="0" smtClean="0"/>
+              <a:rPr lang="en-US" dirty="0"/>
               <a:t>Housing API</a:t>
             </a:r>
           </a:p>
           <a:p>
             <a:pPr algn="ctr"/>
             <a:r>
-              <a:rPr lang="en-US" dirty="0" smtClean="0"/>
+              <a:rPr lang="en-US" dirty="0"/>
               <a:t>Yelp API</a:t>
             </a:r>
-            <a:endParaRPr lang="en-US" dirty="0"/>
           </a:p>
         </p:txBody>
       </p:sp>
@@ -5737,10 +5820,9 @@
           <a:p>
             <a:pPr algn="ctr"/>
             <a:r>
-              <a:rPr lang="en-US" dirty="0" smtClean="0"/>
+              <a:rPr lang="en-US" dirty="0"/>
               <a:t>Enter Handwritten Zip Code</a:t>
             </a:r>
-            <a:endParaRPr lang="en-US" dirty="0"/>
           </a:p>
         </p:txBody>
       </p:sp>
@@ -5781,10 +5863,9 @@
           <a:p>
             <a:pPr algn="ctr"/>
             <a:r>
-              <a:rPr lang="en-US" dirty="0" smtClean="0"/>
+              <a:rPr lang="en-US" dirty="0"/>
               <a:t>DrawingBoard.js download</a:t>
             </a:r>
-            <a:endParaRPr lang="en-US" dirty="0"/>
           </a:p>
         </p:txBody>
       </p:sp>
@@ -5797,7 +5878,7 @@
         <p:spPr>
           <a:xfrm>
             <a:off x="1365811" y="4243084"/>
-            <a:ext cx="2476982" cy="2037144"/>
+            <a:ext cx="2476982" cy="1760575"/>
           </a:xfrm>
           <a:prstGeom prst="can">
             <a:avLst/>
@@ -5825,10 +5906,9 @@
           <a:p>
             <a:pPr algn="ctr"/>
             <a:r>
-              <a:rPr lang="en-US" dirty="0" smtClean="0"/>
+              <a:rPr lang="en-US" dirty="0"/>
               <a:t>Machine learning interpret hand written zip to zip code</a:t>
             </a:r>
-            <a:endParaRPr lang="en-US" dirty="0"/>
           </a:p>
         </p:txBody>
       </p:sp>
@@ -5841,7 +5921,7 @@
         <p:spPr>
           <a:xfrm>
             <a:off x="6217534" y="4110938"/>
-            <a:ext cx="5658091" cy="2301437"/>
+            <a:ext cx="5658091" cy="1760575"/>
           </a:xfrm>
           <a:prstGeom prst="rect">
             <a:avLst/>
@@ -5869,38 +5949,37 @@
           <a:p>
             <a:pPr algn="ctr"/>
             <a:r>
-              <a:rPr lang="en-US" dirty="0" smtClean="0"/>
+              <a:rPr lang="en-US" dirty="0"/>
               <a:t>Output to Search Section:</a:t>
             </a:r>
           </a:p>
           <a:p>
             <a:pPr algn="ctr"/>
             <a:r>
-              <a:rPr lang="en-US" dirty="0" smtClean="0"/>
+              <a:rPr lang="en-US" dirty="0"/>
               <a:t>Things to do</a:t>
             </a:r>
           </a:p>
           <a:p>
             <a:pPr algn="ctr"/>
             <a:r>
-              <a:rPr lang="en-US" dirty="0" smtClean="0"/>
+              <a:rPr lang="en-US" dirty="0"/>
               <a:t>Demographics</a:t>
             </a:r>
           </a:p>
           <a:p>
             <a:pPr algn="ctr"/>
             <a:r>
-              <a:rPr lang="en-US" dirty="0" smtClean="0"/>
+              <a:rPr lang="en-US" dirty="0"/>
               <a:t>Weather</a:t>
             </a:r>
           </a:p>
           <a:p>
             <a:pPr algn="ctr"/>
             <a:r>
-              <a:rPr lang="en-US" dirty="0" smtClean="0"/>
+              <a:rPr lang="en-US" dirty="0"/>
               <a:t>Entertainment Venues</a:t>
             </a:r>
-            <a:endParaRPr lang="en-US" dirty="0"/>
           </a:p>
         </p:txBody>
       </p:sp>
@@ -5988,6 +6067,7 @@
         <p:nvCxnSpPr>
           <p:cNvPr id="17" name="Elbow Connector 16"/>
           <p:cNvCxnSpPr>
+            <a:cxnSpLocks/>
             <a:stCxn id="12" idx="4"/>
             <a:endCxn id="7" idx="2"/>
           </p:cNvCxnSpPr>
@@ -5996,7 +6076,7 @@
         <p:spPr>
           <a:xfrm flipV="1">
             <a:off x="3842793" y="1736201"/>
-            <a:ext cx="3025130" cy="3525455"/>
+            <a:ext cx="3025130" cy="3387171"/>
           </a:xfrm>
           <a:prstGeom prst="bentConnector3">
             <a:avLst>
@@ -6085,10 +6165,9 @@
           <a:lstStyle/>
           <a:p>
             <a:r>
-              <a:rPr lang="en-US" sz="3600" b="1" dirty="0" smtClean="0"/>
+              <a:rPr lang="en-US" sz="3600" b="1" dirty="0"/>
               <a:t>Website/Project Flow:</a:t>
             </a:r>
-            <a:endParaRPr lang="en-US" sz="3600" b="1" dirty="0"/>
           </a:p>
         </p:txBody>
       </p:sp>
@@ -6102,132 +6181,6 @@
   <p:clrMapOvr>
     <a:masterClrMapping/>
   </p:clrMapOvr>
-  <p:timing>
-    <p:tnLst>
-      <p:par>
-        <p:cTn id="1" dur="indefinite" restart="never" nodeType="tmRoot"/>
-      </p:par>
-    </p:tnLst>
-  </p:timing>
-</p:sld>
-</file>
-
-<file path=ppt/slides/slide4.xml><?xml version="1.0" encoding="utf-8"?>
-<p:sld xmlns:a="http://schemas.openxmlformats.org/drawingml/2006/main" xmlns:r="http://schemas.openxmlformats.org/officeDocument/2006/relationships" xmlns:p="http://schemas.openxmlformats.org/presentationml/2006/main">
-  <p:cSld>
-    <p:spTree>
-      <p:nvGrpSpPr>
-        <p:cNvPr id="1" name=""/>
-        <p:cNvGrpSpPr/>
-        <p:nvPr/>
-      </p:nvGrpSpPr>
-      <p:grpSpPr>
-        <a:xfrm>
-          <a:off x="0" y="0"/>
-          <a:ext cx="0" cy="0"/>
-          <a:chOff x="0" y="0"/>
-          <a:chExt cx="0" cy="0"/>
-        </a:xfrm>
-      </p:grpSpPr>
-      <p:sp>
-        <p:nvSpPr>
-          <p:cNvPr id="2" name="Title 1"/>
-          <p:cNvSpPr>
-            <a:spLocks noGrp="1"/>
-          </p:cNvSpPr>
-          <p:nvPr>
-            <p:ph type="title"/>
-          </p:nvPr>
-        </p:nvSpPr>
-        <p:spPr/>
-        <p:txBody>
-          <a:bodyPr/>
-          <a:lstStyle/>
-          <a:p>
-            <a:r>
-              <a:rPr lang="en-US" dirty="0" smtClean="0"/>
-              <a:t>Challenges</a:t>
-            </a:r>
-            <a:endParaRPr lang="en-US" dirty="0"/>
-          </a:p>
-        </p:txBody>
-      </p:sp>
-      <p:sp>
-        <p:nvSpPr>
-          <p:cNvPr id="3" name="TextBox 2"/>
-          <p:cNvSpPr txBox="1"/>
-          <p:nvPr/>
-        </p:nvSpPr>
-        <p:spPr>
-          <a:xfrm>
-            <a:off x="694485" y="2280211"/>
-            <a:ext cx="10139419" cy="2739211"/>
-          </a:xfrm>
-          <a:prstGeom prst="rect">
-            <a:avLst/>
-          </a:prstGeom>
-          <a:noFill/>
-        </p:spPr>
-        <p:txBody>
-          <a:bodyPr wrap="square" rtlCol="0">
-            <a:spAutoFit/>
-          </a:bodyPr>
-          <a:lstStyle/>
-          <a:p>
-            <a:r>
-              <a:rPr lang="en-US" sz="2800" b="1" dirty="0" smtClean="0"/>
-              <a:t>Next Steps:</a:t>
-            </a:r>
-          </a:p>
-          <a:p>
-            <a:endParaRPr lang="en-US" dirty="0"/>
-          </a:p>
-          <a:p>
-            <a:r>
-              <a:rPr lang="en-US" dirty="0" smtClean="0"/>
-              <a:t>Model Accuracy – after training the model the accuracy was reported at 95+ accuracy.  However, the accuracy was very low.  After adding additional code we were able to increase the ability for Tensor flow to recognize the numbers.</a:t>
-            </a:r>
-          </a:p>
-          <a:p>
-            <a:endParaRPr lang="en-US" dirty="0"/>
-          </a:p>
-          <a:p>
-            <a:r>
-              <a:rPr lang="en-US" dirty="0" smtClean="0"/>
-              <a:t>DrawingBoard.js – The JS script needed to be modified slightly work in the website.  There might be additional challenges with the temporary storage of the input files when pushing the code to </a:t>
-            </a:r>
-            <a:r>
-              <a:rPr lang="en-US" dirty="0" err="1"/>
-              <a:t>H</a:t>
-            </a:r>
-            <a:r>
-              <a:rPr lang="en-US" dirty="0" err="1" smtClean="0"/>
-              <a:t>eroku</a:t>
-            </a:r>
-            <a:r>
-              <a:rPr lang="en-US" dirty="0" smtClean="0"/>
-              <a:t>.</a:t>
-            </a:r>
-          </a:p>
-        </p:txBody>
-      </p:sp>
-    </p:spTree>
-    <p:extLst>
-      <p:ext uri="{BB962C8B-B14F-4D97-AF65-F5344CB8AC3E}">
-        <p14:creationId xmlns:p14="http://schemas.microsoft.com/office/powerpoint/2010/main" val="1035366691"/>
-      </p:ext>
-    </p:extLst>
-  </p:cSld>
-  <p:clrMapOvr>
-    <a:masterClrMapping/>
-  </p:clrMapOvr>
-  <p:timing>
-    <p:tnLst>
-      <p:par>
-        <p:cTn id="1" dur="indefinite" restart="never" nodeType="tmRoot"/>
-      </p:par>
-    </p:tnLst>
-  </p:timing>
 </p:sld>
 </file>
 
@@ -6264,10 +6217,9 @@
           <a:lstStyle/>
           <a:p>
             <a:r>
-              <a:rPr lang="en-US" dirty="0" smtClean="0"/>
-              <a:t>Next Steps</a:t>
-            </a:r>
-            <a:endParaRPr lang="en-US" dirty="0"/>
+              <a:rPr lang="en-US" dirty="0"/>
+              <a:t>Challenges</a:t>
+            </a:r>
           </a:p>
         </p:txBody>
       </p:sp>
@@ -6279,8 +6231,8 @@
         </p:nvSpPr>
         <p:spPr>
           <a:xfrm>
-            <a:off x="694485" y="2280211"/>
-            <a:ext cx="10139419" cy="2185214"/>
+            <a:off x="694485" y="2003986"/>
+            <a:ext cx="11135565" cy="3323987"/>
           </a:xfrm>
           <a:prstGeom prst="rect">
             <a:avLst/>
@@ -6293,41 +6245,37 @@
           </a:bodyPr>
           <a:lstStyle/>
           <a:p>
-            <a:r>
-              <a:rPr lang="en-US" sz="2800" b="1" dirty="0" smtClean="0"/>
-              <a:t>Next steps:</a:t>
-            </a:r>
-          </a:p>
-          <a:p>
             <a:endParaRPr lang="en-US" dirty="0"/>
           </a:p>
           <a:p>
             <a:r>
-              <a:rPr lang="en-US" dirty="0" smtClean="0"/>
-              <a:t>Integration of the site into </a:t>
-            </a:r>
-            <a:r>
-              <a:rPr lang="en-US" dirty="0" err="1" smtClean="0"/>
+              <a:rPr lang="en-US" sz="2400" dirty="0"/>
+              <a:t>Model Accuracy – after training the model the accuracy was reported at 95+ accuracy.  However, the accuracy was very low.  After adding additional code we were able to increase the ability for </a:t>
+            </a:r>
+            <a:r>
+              <a:rPr lang="en-US" sz="2400" dirty="0" err="1"/>
+              <a:t>Tensorflow</a:t>
+            </a:r>
+            <a:r>
+              <a:rPr lang="en-US" sz="2400" dirty="0"/>
+              <a:t> to recognize the numbers.</a:t>
+            </a:r>
+          </a:p>
+          <a:p>
+            <a:endParaRPr lang="en-US" sz="2400" dirty="0"/>
+          </a:p>
+          <a:p>
+            <a:r>
+              <a:rPr lang="en-US" sz="2400" dirty="0"/>
+              <a:t>DrawingBoard.js – The JS script needed to be modified slightly to work on the website.  There might be additional challenges with the temporary storage of the input files when pushing the code to </a:t>
+            </a:r>
+            <a:r>
+              <a:rPr lang="en-US" sz="2400" dirty="0" err="1"/>
               <a:t>Heroku</a:t>
             </a:r>
-            <a:endParaRPr lang="en-US" dirty="0" smtClean="0"/>
-          </a:p>
-          <a:p>
-            <a:endParaRPr lang="en-US" dirty="0"/>
-          </a:p>
-          <a:p>
-            <a:r>
-              <a:rPr lang="en-US" dirty="0" smtClean="0"/>
-              <a:t>Additional increase in accuracy of the learning model</a:t>
-            </a:r>
-          </a:p>
-          <a:p>
-            <a:endParaRPr lang="en-US" dirty="0"/>
-          </a:p>
-          <a:p>
-            <a:r>
-              <a:rPr lang="en-US" dirty="0" smtClean="0"/>
-              <a:t>Additional Charts and graphs for demographics and housing information.</a:t>
+            <a:r>
+              <a:rPr lang="en-US" sz="2400" dirty="0"/>
+              <a:t>.</a:t>
             </a:r>
           </a:p>
         </p:txBody>
@@ -6335,20 +6283,13 @@
     </p:spTree>
     <p:extLst>
       <p:ext uri="{BB962C8B-B14F-4D97-AF65-F5344CB8AC3E}">
-        <p14:creationId xmlns:p14="http://schemas.microsoft.com/office/powerpoint/2010/main" val="3178639771"/>
+        <p14:creationId xmlns:p14="http://schemas.microsoft.com/office/powerpoint/2010/main" val="1035366691"/>
       </p:ext>
     </p:extLst>
   </p:cSld>
   <p:clrMapOvr>
     <a:masterClrMapping/>
   </p:clrMapOvr>
-  <p:timing>
-    <p:tnLst>
-      <p:par>
-        <p:cTn id="1" dur="indefinite" restart="never" nodeType="tmRoot"/>
-      </p:par>
-    </p:tnLst>
-  </p:timing>
 </p:sld>
 </file>
 
@@ -6385,10 +6326,116 @@
           <a:lstStyle/>
           <a:p>
             <a:r>
-              <a:rPr lang="en-US" dirty="0" smtClean="0"/>
+              <a:rPr lang="en-US" dirty="0"/>
+              <a:t>Next Steps</a:t>
+            </a:r>
+          </a:p>
+        </p:txBody>
+      </p:sp>
+      <p:sp>
+        <p:nvSpPr>
+          <p:cNvPr id="3" name="TextBox 2"/>
+          <p:cNvSpPr txBox="1"/>
+          <p:nvPr/>
+        </p:nvSpPr>
+        <p:spPr>
+          <a:xfrm>
+            <a:off x="694485" y="2280211"/>
+            <a:ext cx="10139419" cy="2954655"/>
+          </a:xfrm>
+          <a:prstGeom prst="rect">
+            <a:avLst/>
+          </a:prstGeom>
+          <a:noFill/>
+        </p:spPr>
+        <p:txBody>
+          <a:bodyPr wrap="square" rtlCol="0">
+            <a:spAutoFit/>
+          </a:bodyPr>
+          <a:lstStyle/>
+          <a:p>
+            <a:endParaRPr lang="en-US" dirty="0"/>
+          </a:p>
+          <a:p>
+            <a:r>
+              <a:rPr lang="en-US" sz="2800" dirty="0"/>
+              <a:t>Integration of the site into </a:t>
+            </a:r>
+            <a:r>
+              <a:rPr lang="en-US" sz="2800" dirty="0" err="1"/>
+              <a:t>Heroku</a:t>
+            </a:r>
+            <a:endParaRPr lang="en-US" sz="2800" dirty="0"/>
+          </a:p>
+          <a:p>
+            <a:endParaRPr lang="en-US" sz="2800" dirty="0"/>
+          </a:p>
+          <a:p>
+            <a:r>
+              <a:rPr lang="en-US" sz="2800" dirty="0"/>
+              <a:t>Additional increase in accuracy of the learning model</a:t>
+            </a:r>
+          </a:p>
+          <a:p>
+            <a:endParaRPr lang="en-US" sz="2800" dirty="0"/>
+          </a:p>
+          <a:p>
+            <a:r>
+              <a:rPr lang="en-US" sz="2800" dirty="0"/>
+              <a:t>Additional charts and graphs for demographics and housing information.</a:t>
+            </a:r>
+          </a:p>
+        </p:txBody>
+      </p:sp>
+    </p:spTree>
+    <p:extLst>
+      <p:ext uri="{BB962C8B-B14F-4D97-AF65-F5344CB8AC3E}">
+        <p14:creationId xmlns:p14="http://schemas.microsoft.com/office/powerpoint/2010/main" val="3178639771"/>
+      </p:ext>
+    </p:extLst>
+  </p:cSld>
+  <p:clrMapOvr>
+    <a:masterClrMapping/>
+  </p:clrMapOvr>
+</p:sld>
+</file>
+
+<file path=ppt/slides/slide7.xml><?xml version="1.0" encoding="utf-8"?>
+<p:sld xmlns:a="http://schemas.openxmlformats.org/drawingml/2006/main" xmlns:r="http://schemas.openxmlformats.org/officeDocument/2006/relationships" xmlns:p="http://schemas.openxmlformats.org/presentationml/2006/main">
+  <p:cSld>
+    <p:spTree>
+      <p:nvGrpSpPr>
+        <p:cNvPr id="1" name=""/>
+        <p:cNvGrpSpPr/>
+        <p:nvPr/>
+      </p:nvGrpSpPr>
+      <p:grpSpPr>
+        <a:xfrm>
+          <a:off x="0" y="0"/>
+          <a:ext cx="0" cy="0"/>
+          <a:chOff x="0" y="0"/>
+          <a:chExt cx="0" cy="0"/>
+        </a:xfrm>
+      </p:grpSpPr>
+      <p:sp>
+        <p:nvSpPr>
+          <p:cNvPr id="2" name="Title 1"/>
+          <p:cNvSpPr>
+            <a:spLocks noGrp="1"/>
+          </p:cNvSpPr>
+          <p:nvPr>
+            <p:ph type="title"/>
+          </p:nvPr>
+        </p:nvSpPr>
+        <p:spPr/>
+        <p:txBody>
+          <a:bodyPr/>
+          <a:lstStyle/>
+          <a:p>
+            <a:r>
+              <a:rPr lang="en-US" dirty="0"/>
               <a:t>Resources</a:t>
             </a:r>
-            <a:endParaRPr lang="en-US" dirty="0"/>
           </a:p>
         </p:txBody>
       </p:sp>
@@ -6415,86 +6462,86 @@
           <a:lstStyle/>
           <a:p>
             <a:r>
-              <a:rPr lang="en-US" dirty="0" smtClean="0"/>
+              <a:rPr lang="en-US" dirty="0"/>
               <a:t>Drawingboard.js - </a:t>
             </a:r>
             <a:r>
-              <a:rPr lang="en-US" dirty="0" smtClean="0">
+              <a:rPr lang="en-US" dirty="0">
                 <a:hlinkClick r:id="rId2"/>
               </a:rPr>
               <a:t>http://leimi.github.io/drawingboard.js/</a:t>
             </a:r>
-            <a:endParaRPr lang="en-US" dirty="0" smtClean="0"/>
-          </a:p>
-          <a:p>
-            <a:r>
-              <a:rPr lang="en-US" dirty="0" err="1" smtClean="0"/>
+            <a:endParaRPr lang="en-US" dirty="0"/>
+          </a:p>
+          <a:p>
+            <a:r>
+              <a:rPr lang="en-US" dirty="0" err="1"/>
               <a:t>Mninst</a:t>
             </a:r>
             <a:r>
-              <a:rPr lang="en-US" dirty="0" smtClean="0"/>
+              <a:rPr lang="en-US" dirty="0"/>
               <a:t> learning </a:t>
             </a:r>
             <a:r>
-              <a:rPr lang="en-US" dirty="0" err="1" smtClean="0"/>
+              <a:rPr lang="en-US" dirty="0" err="1"/>
               <a:t>db</a:t>
             </a:r>
             <a:r>
-              <a:rPr lang="en-US" dirty="0" smtClean="0"/>
+              <a:rPr lang="en-US" dirty="0"/>
               <a:t> – </a:t>
             </a:r>
             <a:r>
-              <a:rPr lang="en-US" dirty="0" smtClean="0">
+              <a:rPr lang="en-US" dirty="0">
                 <a:hlinkClick r:id="rId3"/>
               </a:rPr>
               <a:t>http://yann.lecun.com/exdb/mnist/</a:t>
             </a:r>
-            <a:endParaRPr lang="en-US" dirty="0" smtClean="0"/>
-          </a:p>
-          <a:p>
             <a:endParaRPr lang="en-US" dirty="0"/>
           </a:p>
           <a:p>
-            <a:r>
-              <a:rPr lang="en-US" dirty="0" smtClean="0"/>
+            <a:endParaRPr lang="en-US" dirty="0"/>
+          </a:p>
+          <a:p>
+            <a:r>
+              <a:rPr lang="en-US" dirty="0"/>
               <a:t>Zillow API – Housing information - </a:t>
             </a:r>
             <a:r>
-              <a:rPr lang="en-US" dirty="0" smtClean="0">
+              <a:rPr lang="en-US" dirty="0">
                 <a:hlinkClick r:id="rId4"/>
               </a:rPr>
               <a:t>https://www.zillow.com/howto/api/APIOverview.htm</a:t>
             </a:r>
-            <a:endParaRPr lang="en-US" dirty="0" smtClean="0"/>
-          </a:p>
-          <a:p>
-            <a:r>
-              <a:rPr lang="en-US" dirty="0" smtClean="0"/>
+            <a:endParaRPr lang="en-US" dirty="0"/>
+          </a:p>
+          <a:p>
+            <a:r>
+              <a:rPr lang="en-US" dirty="0"/>
               <a:t>Weather API – Current Weather conditions - </a:t>
             </a:r>
             <a:r>
-              <a:rPr lang="en-US" dirty="0" smtClean="0">
+              <a:rPr lang="en-US" dirty="0">
                 <a:hlinkClick r:id="rId5"/>
               </a:rPr>
               <a:t>https://openweathermap.org/api</a:t>
             </a:r>
-            <a:endParaRPr lang="en-US" dirty="0" smtClean="0"/>
-          </a:p>
-          <a:p>
-            <a:r>
-              <a:rPr lang="en-US" dirty="0" smtClean="0"/>
+            <a:endParaRPr lang="en-US" dirty="0"/>
+          </a:p>
+          <a:p>
+            <a:r>
+              <a:rPr lang="en-US" dirty="0"/>
               <a:t>Yelp API - </a:t>
             </a:r>
             <a:r>
-              <a:rPr lang="en-US" dirty="0" smtClean="0">
+              <a:rPr lang="en-US" dirty="0">
                 <a:hlinkClick r:id="rId6"/>
               </a:rPr>
               <a:t>https://www.yelp.com/developers</a:t>
             </a:r>
-            <a:endParaRPr lang="en-US" dirty="0" smtClean="0"/>
-          </a:p>
-          <a:p>
-            <a:endParaRPr lang="en-US" dirty="0" smtClean="0"/>
+            <a:endParaRPr lang="en-US" dirty="0"/>
+          </a:p>
+          <a:p>
+            <a:endParaRPr lang="en-US" dirty="0"/>
           </a:p>
           <a:p>
             <a:endParaRPr lang="en-US" dirty="0"/>
@@ -6511,13 +6558,6 @@
   <p:clrMapOvr>
     <a:masterClrMapping/>
   </p:clrMapOvr>
-  <p:timing>
-    <p:tnLst>
-      <p:par>
-        <p:cTn id="1" dur="indefinite" restart="never" nodeType="tmRoot"/>
-      </p:par>
-    </p:tnLst>
-  </p:timing>
 </p:sld>
 </file>
 
